--- a/CW17.pptx
+++ b/CW17.pptx
@@ -8,9 +8,9 @@
     <p:sldId id="256" r:id="rId2"/>
     <p:sldId id="257" r:id="rId3"/>
     <p:sldId id="260" r:id="rId4"/>
-    <p:sldId id="258" r:id="rId5"/>
-    <p:sldId id="261" r:id="rId6"/>
-    <p:sldId id="262" r:id="rId7"/>
+    <p:sldId id="264" r:id="rId5"/>
+    <p:sldId id="258" r:id="rId6"/>
+    <p:sldId id="261" r:id="rId7"/>
   </p:sldIdLst>
   <p:sldSz cx="12192000" cy="6858000"/>
   <p:notesSz cx="6858000" cy="9144000"/>
@@ -109,6 +109,11 @@
       </a:defRPr>
     </a:lvl9pPr>
   </p:defaultTextStyle>
+  <p:extLst>
+    <p:ext uri="{EFAFB233-063F-42B5-8137-9DF3F51BA10A}">
+      <p15:sldGuideLst xmlns:p15="http://schemas.microsoft.com/office/powerpoint/2012/main"/>
+    </p:ext>
+  </p:extLst>
 </p:presentation>
 </file>
 
@@ -3965,7 +3970,7 @@
         <p:spPr>
           <a:xfrm>
             <a:off x="6164934" y="632480"/>
-            <a:ext cx="4848507" cy="523220"/>
+            <a:ext cx="5037661" cy="523220"/>
           </a:xfrm>
           <a:prstGeom prst="rect">
             <a:avLst/>
@@ -3986,7 +3991,17 @@
                   </a:schemeClr>
                 </a:solidFill>
               </a:rPr>
-              <a:t>Collaborations Workshop </a:t>
+              <a:t>Collaborations </a:t>
+            </a:r>
+            <a:r>
+              <a:rPr lang="en-US" sz="2800" b="1" dirty="0" smtClean="0">
+                <a:solidFill>
+                  <a:schemeClr val="accent1">
+                    <a:lumMod val="50000"/>
+                  </a:schemeClr>
+                </a:solidFill>
+              </a:rPr>
+              <a:t>Workshop </a:t>
             </a:r>
             <a:r>
               <a:rPr lang="en-US" sz="2800" b="1" dirty="0" smtClean="0">
@@ -4351,8 +4366,8 @@
         </p:blipFill>
         <p:spPr>
           <a:xfrm>
-            <a:off x="4369308" y="2367419"/>
-            <a:ext cx="7619492" cy="4233051"/>
+            <a:off x="2642037" y="1428750"/>
+            <a:ext cx="7060326" cy="3922403"/>
           </a:xfrm>
         </p:spPr>
       </p:pic>
@@ -4364,8 +4379,8 @@
         </p:nvSpPr>
         <p:spPr>
           <a:xfrm>
-            <a:off x="1371600" y="1525369"/>
-            <a:ext cx="10617200" cy="1200329"/>
+            <a:off x="1371600" y="5243015"/>
+            <a:ext cx="10617200" cy="646331"/>
           </a:xfrm>
           <a:prstGeom prst="rect">
             <a:avLst/>
@@ -4380,35 +4395,17 @@
           <a:p>
             <a:r>
               <a:rPr lang="en-US" sz="3600" dirty="0" smtClean="0"/>
-              <a:t>Repository: https://</a:t>
-            </a:r>
-            <a:r>
-              <a:rPr lang="en-US" sz="3600" dirty="0" err="1" smtClean="0"/>
-              <a:t>github.com</a:t>
+              <a:t>Repository: </a:t>
+            </a:r>
+            <a:r>
+              <a:rPr lang="en-US" sz="3600" dirty="0" smtClean="0">
+                <a:hlinkClick r:id="rId3"/>
+              </a:rPr>
+              <a:t>https://github.com/cspgdds/Visualflee</a:t>
             </a:r>
             <a:r>
               <a:rPr lang="en-US" sz="3600" dirty="0" smtClean="0"/>
-              <a:t>/</a:t>
-            </a:r>
-            <a:r>
-              <a:rPr lang="en-US" sz="3600" dirty="0" err="1" smtClean="0"/>
-              <a:t>cspgdds</a:t>
-            </a:r>
-            <a:r>
-              <a:rPr lang="en-US" sz="3600" dirty="0" smtClean="0"/>
-              <a:t>/</a:t>
-            </a:r>
-            <a:r>
-              <a:rPr lang="en-US" sz="3600" dirty="0" err="1" smtClean="0"/>
-              <a:t>Visualflee</a:t>
-            </a:r>
-            <a:endParaRPr lang="en-US" sz="3600" dirty="0" smtClean="0"/>
-          </a:p>
-          <a:p>
-            <a:pPr algn="r"/>
-            <a:r>
-              <a:rPr lang="en-US" sz="3600" dirty="0" smtClean="0"/>
-              <a:t> </a:t>
+              <a:t>  </a:t>
             </a:r>
             <a:endParaRPr lang="en-US" sz="2000" dirty="0"/>
           </a:p>
@@ -4422,7 +4419,7 @@
         </p:nvSpPr>
         <p:spPr>
           <a:xfrm>
-            <a:off x="1371600" y="2725698"/>
+            <a:off x="1371600" y="5825732"/>
             <a:ext cx="3380028" cy="707886"/>
           </a:xfrm>
           <a:prstGeom prst="rect">
@@ -4475,6 +4472,420 @@
 </file>
 
 <file path=ppt/slides/slide4.xml><?xml version="1.0" encoding="utf-8"?>
+<p:sld xmlns:a="http://schemas.openxmlformats.org/drawingml/2006/main" xmlns:r="http://schemas.openxmlformats.org/officeDocument/2006/relationships" xmlns:p="http://schemas.openxmlformats.org/presentationml/2006/main">
+  <p:cSld>
+    <p:spTree>
+      <p:nvGrpSpPr>
+        <p:cNvPr id="1" name=""/>
+        <p:cNvGrpSpPr/>
+        <p:nvPr/>
+      </p:nvGrpSpPr>
+      <p:grpSpPr>
+        <a:xfrm>
+          <a:off x="0" y="0"/>
+          <a:ext cx="0" cy="0"/>
+          <a:chOff x="0" y="0"/>
+          <a:chExt cx="0" cy="0"/>
+        </a:xfrm>
+      </p:grpSpPr>
+      <p:sp>
+        <p:nvSpPr>
+          <p:cNvPr id="3" name="Content Placeholder 2"/>
+          <p:cNvSpPr>
+            <a:spLocks noGrp="1"/>
+          </p:cNvSpPr>
+          <p:nvPr>
+            <p:ph idx="1"/>
+          </p:nvPr>
+        </p:nvSpPr>
+        <p:spPr>
+          <a:xfrm>
+            <a:off x="1215483" y="1144340"/>
+            <a:ext cx="3757961" cy="1750741"/>
+          </a:xfrm>
+          <a:noFill/>
+        </p:spPr>
+        <p:txBody>
+          <a:bodyPr>
+            <a:noAutofit/>
+          </a:bodyPr>
+          <a:lstStyle/>
+          <a:p>
+            <a:pPr marL="0" indent="0">
+              <a:buNone/>
+            </a:pPr>
+            <a:r>
+              <a:rPr lang="en-US" sz="5400" dirty="0" smtClean="0"/>
+              <a:t>Data acquisition </a:t>
+            </a:r>
+            <a:endParaRPr lang="en-US" sz="5400" dirty="0"/>
+          </a:p>
+        </p:txBody>
+      </p:sp>
+      <p:sp>
+        <p:nvSpPr>
+          <p:cNvPr id="6" name="Bent-Up Arrow 5"/>
+          <p:cNvSpPr/>
+          <p:nvPr/>
+        </p:nvSpPr>
+        <p:spPr>
+          <a:xfrm rot="5400000">
+            <a:off x="3081482" y="2194045"/>
+            <a:ext cx="1082050" cy="2293874"/>
+          </a:xfrm>
+          <a:prstGeom prst="bentUpArrow">
+            <a:avLst/>
+          </a:prstGeom>
+        </p:spPr>
+        <p:style>
+          <a:lnRef idx="2">
+            <a:schemeClr val="accent1">
+              <a:shade val="50000"/>
+            </a:schemeClr>
+          </a:lnRef>
+          <a:fillRef idx="1">
+            <a:schemeClr val="accent1"/>
+          </a:fillRef>
+          <a:effectRef idx="0">
+            <a:schemeClr val="accent1"/>
+          </a:effectRef>
+          <a:fontRef idx="minor">
+            <a:schemeClr val="lt1"/>
+          </a:fontRef>
+        </p:style>
+        <p:txBody>
+          <a:bodyPr rtlCol="0" anchor="ctr"/>
+          <a:lstStyle/>
+          <a:p>
+            <a:pPr algn="ctr"/>
+            <a:endParaRPr lang="en-US"/>
+          </a:p>
+        </p:txBody>
+      </p:sp>
+      <p:sp>
+        <p:nvSpPr>
+          <p:cNvPr id="7" name="TextBox 6"/>
+          <p:cNvSpPr txBox="1"/>
+          <p:nvPr/>
+        </p:nvSpPr>
+        <p:spPr>
+          <a:xfrm>
+            <a:off x="4984594" y="3028327"/>
+            <a:ext cx="3307316" cy="1754326"/>
+          </a:xfrm>
+          <a:prstGeom prst="rect">
+            <a:avLst/>
+          </a:prstGeom>
+          <a:noFill/>
+        </p:spPr>
+        <p:txBody>
+          <a:bodyPr wrap="none" rtlCol="0">
+            <a:spAutoFit/>
+          </a:bodyPr>
+          <a:lstStyle/>
+          <a:p>
+            <a:r>
+              <a:rPr lang="en-US" sz="5400" dirty="0" smtClean="0"/>
+              <a:t>Simulation</a:t>
+            </a:r>
+          </a:p>
+          <a:p>
+            <a:pPr algn="ctr"/>
+            <a:r>
+              <a:rPr lang="en-US" sz="5400" dirty="0" smtClean="0"/>
+              <a:t>FLEE</a:t>
+            </a:r>
+            <a:endParaRPr lang="en-US" sz="5400" dirty="0"/>
+          </a:p>
+        </p:txBody>
+      </p:sp>
+      <p:sp>
+        <p:nvSpPr>
+          <p:cNvPr id="9" name="Bent-Up Arrow 8"/>
+          <p:cNvSpPr/>
+          <p:nvPr/>
+        </p:nvSpPr>
+        <p:spPr>
+          <a:xfrm flipV="1">
+            <a:off x="8507060" y="3489992"/>
+            <a:ext cx="1666130" cy="1081330"/>
+          </a:xfrm>
+          <a:prstGeom prst="bentUpArrow">
+            <a:avLst/>
+          </a:prstGeom>
+        </p:spPr>
+        <p:style>
+          <a:lnRef idx="2">
+            <a:schemeClr val="accent1">
+              <a:shade val="50000"/>
+            </a:schemeClr>
+          </a:lnRef>
+          <a:fillRef idx="1">
+            <a:schemeClr val="accent1"/>
+          </a:fillRef>
+          <a:effectRef idx="0">
+            <a:schemeClr val="accent1"/>
+          </a:effectRef>
+          <a:fontRef idx="minor">
+            <a:schemeClr val="lt1"/>
+          </a:fontRef>
+        </p:style>
+        <p:txBody>
+          <a:bodyPr rtlCol="0" anchor="ctr"/>
+          <a:lstStyle/>
+          <a:p>
+            <a:pPr algn="ctr"/>
+            <a:endParaRPr lang="en-US"/>
+          </a:p>
+        </p:txBody>
+      </p:sp>
+      <p:sp>
+        <p:nvSpPr>
+          <p:cNvPr id="12" name="Content Placeholder 2"/>
+          <p:cNvSpPr txBox="1">
+            <a:spLocks/>
+          </p:cNvSpPr>
+          <p:nvPr/>
+        </p:nvSpPr>
+        <p:spPr>
+          <a:xfrm>
+            <a:off x="7723198" y="4836064"/>
+            <a:ext cx="3996733" cy="1169537"/>
+          </a:xfrm>
+          <a:prstGeom prst="rect">
+            <a:avLst/>
+          </a:prstGeom>
+          <a:noFill/>
+        </p:spPr>
+        <p:txBody>
+          <a:bodyPr vert="horz" lIns="91440" tIns="45720" rIns="91440" bIns="45720" rtlCol="0">
+            <a:noAutofit/>
+          </a:bodyPr>
+          <a:lstStyle>
+            <a:lvl1pPr marL="384048" indent="-384048" algn="l" defTabSz="914400" rtl="0" eaLnBrk="1" latinLnBrk="0" hangingPunct="1">
+              <a:lnSpc>
+                <a:spcPct val="94000"/>
+              </a:lnSpc>
+              <a:spcBef>
+                <a:spcPts val="1000"/>
+              </a:spcBef>
+              <a:spcAft>
+                <a:spcPts val="200"/>
+              </a:spcAft>
+              <a:buFont typeface="Franklin Gothic Book" panose="020B0503020102020204" pitchFamily="34" charset="0"/>
+              <a:buChar char="■"/>
+              <a:defRPr sz="2000" kern="1200" baseline="0">
+                <a:solidFill>
+                  <a:schemeClr val="tx2"/>
+                </a:solidFill>
+                <a:latin typeface="+mn-lt"/>
+                <a:ea typeface="+mn-ea"/>
+                <a:cs typeface="+mn-cs"/>
+              </a:defRPr>
+            </a:lvl1pPr>
+            <a:lvl2pPr marL="384048" indent="-384048" algn="l" defTabSz="914400" rtl="0" eaLnBrk="1" latinLnBrk="0" hangingPunct="1">
+              <a:lnSpc>
+                <a:spcPct val="94000"/>
+              </a:lnSpc>
+              <a:spcBef>
+                <a:spcPts val="500"/>
+              </a:spcBef>
+              <a:spcAft>
+                <a:spcPts val="200"/>
+              </a:spcAft>
+              <a:buFont typeface="Franklin Gothic Book" panose="020B0503020102020204" pitchFamily="34" charset="0"/>
+              <a:buChar char="–"/>
+              <a:defRPr sz="2000" i="1" kern="1200" baseline="0">
+                <a:solidFill>
+                  <a:schemeClr val="tx2"/>
+                </a:solidFill>
+                <a:latin typeface="+mn-lt"/>
+                <a:ea typeface="+mn-ea"/>
+                <a:cs typeface="+mn-cs"/>
+              </a:defRPr>
+            </a:lvl2pPr>
+            <a:lvl3pPr marL="384048" indent="-384048" algn="l" defTabSz="914400" rtl="0" eaLnBrk="1" latinLnBrk="0" hangingPunct="1">
+              <a:lnSpc>
+                <a:spcPct val="94000"/>
+              </a:lnSpc>
+              <a:spcBef>
+                <a:spcPts val="500"/>
+              </a:spcBef>
+              <a:spcAft>
+                <a:spcPts val="200"/>
+              </a:spcAft>
+              <a:buFont typeface="Franklin Gothic Book" panose="020B0503020102020204" pitchFamily="34" charset="0"/>
+              <a:buChar char="■"/>
+              <a:defRPr sz="1800" kern="1200" baseline="0">
+                <a:solidFill>
+                  <a:schemeClr val="tx2"/>
+                </a:solidFill>
+                <a:latin typeface="+mn-lt"/>
+                <a:ea typeface="+mn-ea"/>
+                <a:cs typeface="+mn-cs"/>
+              </a:defRPr>
+            </a:lvl3pPr>
+            <a:lvl4pPr marL="384048" indent="-384048" algn="l" defTabSz="914400" rtl="0" eaLnBrk="1" latinLnBrk="0" hangingPunct="1">
+              <a:lnSpc>
+                <a:spcPct val="94000"/>
+              </a:lnSpc>
+              <a:spcBef>
+                <a:spcPts val="500"/>
+              </a:spcBef>
+              <a:spcAft>
+                <a:spcPts val="200"/>
+              </a:spcAft>
+              <a:buFont typeface="Franklin Gothic Book" panose="020B0503020102020204" pitchFamily="34" charset="0"/>
+              <a:buChar char="–"/>
+              <a:defRPr sz="1800" i="1" kern="1200" baseline="0">
+                <a:solidFill>
+                  <a:schemeClr val="tx2"/>
+                </a:solidFill>
+                <a:latin typeface="+mn-lt"/>
+                <a:ea typeface="+mn-ea"/>
+                <a:cs typeface="+mn-cs"/>
+              </a:defRPr>
+            </a:lvl4pPr>
+            <a:lvl5pPr marL="384048" indent="-384048" algn="l" defTabSz="914400" rtl="0" eaLnBrk="1" latinLnBrk="0" hangingPunct="1">
+              <a:lnSpc>
+                <a:spcPct val="94000"/>
+              </a:lnSpc>
+              <a:spcBef>
+                <a:spcPts val="500"/>
+              </a:spcBef>
+              <a:spcAft>
+                <a:spcPts val="200"/>
+              </a:spcAft>
+              <a:buFont typeface="Franklin Gothic Book" panose="020B0503020102020204" pitchFamily="34" charset="0"/>
+              <a:buChar char="■"/>
+              <a:defRPr sz="1600" kern="1200" baseline="0">
+                <a:solidFill>
+                  <a:schemeClr val="tx2"/>
+                </a:solidFill>
+                <a:latin typeface="+mn-lt"/>
+                <a:ea typeface="+mn-ea"/>
+                <a:cs typeface="+mn-cs"/>
+              </a:defRPr>
+            </a:lvl5pPr>
+            <a:lvl6pPr marL="384048" indent="-384048" algn="l" defTabSz="914400" rtl="0" eaLnBrk="1" latinLnBrk="0" hangingPunct="1">
+              <a:lnSpc>
+                <a:spcPct val="94000"/>
+              </a:lnSpc>
+              <a:spcBef>
+                <a:spcPts val="500"/>
+              </a:spcBef>
+              <a:spcAft>
+                <a:spcPts val="200"/>
+              </a:spcAft>
+              <a:buFont typeface="Franklin Gothic Book" panose="020B0503020102020204" pitchFamily="34" charset="0"/>
+              <a:buChar char="–"/>
+              <a:defRPr sz="1600" i="1" kern="1200" baseline="0">
+                <a:solidFill>
+                  <a:schemeClr val="tx2"/>
+                </a:solidFill>
+                <a:latin typeface="+mn-lt"/>
+                <a:ea typeface="+mn-ea"/>
+                <a:cs typeface="+mn-cs"/>
+              </a:defRPr>
+            </a:lvl6pPr>
+            <a:lvl7pPr marL="384048" indent="-384048" algn="l" defTabSz="914400" rtl="0" eaLnBrk="1" latinLnBrk="0" hangingPunct="1">
+              <a:lnSpc>
+                <a:spcPct val="94000"/>
+              </a:lnSpc>
+              <a:spcBef>
+                <a:spcPts val="500"/>
+              </a:spcBef>
+              <a:spcAft>
+                <a:spcPts val="200"/>
+              </a:spcAft>
+              <a:buFont typeface="Franklin Gothic Book" panose="020B0503020102020204" pitchFamily="34" charset="0"/>
+              <a:buChar char="■"/>
+              <a:defRPr sz="1400" kern="1200" baseline="0">
+                <a:solidFill>
+                  <a:schemeClr val="tx2"/>
+                </a:solidFill>
+                <a:latin typeface="+mn-lt"/>
+                <a:ea typeface="+mn-ea"/>
+                <a:cs typeface="+mn-cs"/>
+              </a:defRPr>
+            </a:lvl7pPr>
+            <a:lvl8pPr marL="384048" indent="-384048" algn="l" defTabSz="914400" rtl="0" eaLnBrk="1" latinLnBrk="0" hangingPunct="1">
+              <a:lnSpc>
+                <a:spcPct val="94000"/>
+              </a:lnSpc>
+              <a:spcBef>
+                <a:spcPts val="500"/>
+              </a:spcBef>
+              <a:spcAft>
+                <a:spcPts val="200"/>
+              </a:spcAft>
+              <a:buFont typeface="Franklin Gothic Book" panose="020B0503020102020204" pitchFamily="34" charset="0"/>
+              <a:buChar char="–"/>
+              <a:defRPr sz="1400" i="1" kern="1200" baseline="0">
+                <a:solidFill>
+                  <a:schemeClr val="tx2"/>
+                </a:solidFill>
+                <a:latin typeface="+mn-lt"/>
+                <a:ea typeface="+mn-ea"/>
+                <a:cs typeface="+mn-cs"/>
+              </a:defRPr>
+            </a:lvl8pPr>
+            <a:lvl9pPr marL="384048" indent="-384048" algn="l" defTabSz="914400" rtl="0" eaLnBrk="1" latinLnBrk="0" hangingPunct="1">
+              <a:lnSpc>
+                <a:spcPct val="94000"/>
+              </a:lnSpc>
+              <a:spcBef>
+                <a:spcPts val="500"/>
+              </a:spcBef>
+              <a:spcAft>
+                <a:spcPts val="200"/>
+              </a:spcAft>
+              <a:buFont typeface="Franklin Gothic Book" panose="020B0503020102020204" pitchFamily="34" charset="0"/>
+              <a:buChar char="■"/>
+              <a:defRPr sz="1400" kern="1200" baseline="0">
+                <a:solidFill>
+                  <a:schemeClr val="tx2"/>
+                </a:solidFill>
+                <a:latin typeface="+mn-lt"/>
+                <a:ea typeface="+mn-ea"/>
+                <a:cs typeface="+mn-cs"/>
+              </a:defRPr>
+            </a:lvl9pPr>
+          </a:lstStyle>
+          <a:p>
+            <a:pPr marL="0" indent="0">
+              <a:buFont typeface="Franklin Gothic Book" panose="020B0503020102020204" pitchFamily="34" charset="0"/>
+              <a:buNone/>
+            </a:pPr>
+            <a:r>
+              <a:rPr lang="en-US" sz="5400" smtClean="0"/>
+              <a:t>Visualisation</a:t>
+            </a:r>
+            <a:endParaRPr lang="en-US" sz="5400" dirty="0"/>
+          </a:p>
+        </p:txBody>
+      </p:sp>
+    </p:spTree>
+    <p:extLst>
+      <p:ext uri="{BB962C8B-B14F-4D97-AF65-F5344CB8AC3E}">
+        <p14:creationId xmlns:p14="http://schemas.microsoft.com/office/powerpoint/2010/main" val="1182803784"/>
+      </p:ext>
+    </p:extLst>
+  </p:cSld>
+  <p:clrMapOvr>
+    <a:masterClrMapping/>
+  </p:clrMapOvr>
+  <p:timing>
+    <p:tnLst>
+      <p:par>
+        <p:cTn id="1" dur="indefinite" restart="never" nodeType="tmRoot"/>
+      </p:par>
+    </p:tnLst>
+  </p:timing>
+</p:sld>
+</file>
+
+<file path=ppt/slides/slide5.xml><?xml version="1.0" encoding="utf-8"?>
 <p:sld xmlns:a="http://schemas.openxmlformats.org/drawingml/2006/main" xmlns:r="http://schemas.openxmlformats.org/officeDocument/2006/relationships" xmlns:p="http://schemas.openxmlformats.org/presentationml/2006/main">
   <p:cSld>
     <p:spTree>
@@ -4688,11 +5099,7 @@
               <a:pPr algn="ctr"/>
               <a:r>
                 <a:rPr lang="en-US" dirty="0" smtClean="0"/>
-                <a:t>The UN Refugee </a:t>
-              </a:r>
-              <a:r>
-                <a:rPr lang="en-US" dirty="0" smtClean="0"/>
-                <a:t>Agency</a:t>
+                <a:t>The UN Refugee Agency</a:t>
               </a:r>
             </a:p>
             <a:p>
@@ -4848,11 +5255,7 @@
             <a:pPr algn="ctr"/>
             <a:r>
               <a:rPr lang="en-US" dirty="0" smtClean="0"/>
-              <a:t>City p</a:t>
-            </a:r>
-            <a:r>
-              <a:rPr lang="en-US" dirty="0" smtClean="0"/>
-              <a:t>opulation</a:t>
+              <a:t>City population</a:t>
             </a:r>
           </a:p>
           <a:p>
@@ -4869,7 +5272,6 @@
               <a:rPr lang="en-US" dirty="0" smtClean="0"/>
               <a:t> </a:t>
             </a:r>
-            <a:endParaRPr lang="en-US" dirty="0" smtClean="0"/>
           </a:p>
         </p:txBody>
       </p:sp>
@@ -4987,231 +5389,6 @@
     <p:extLst>
       <p:ext uri="{BB962C8B-B14F-4D97-AF65-F5344CB8AC3E}">
         <p14:creationId xmlns:p14="http://schemas.microsoft.com/office/powerpoint/2010/main" val="1727711726"/>
-      </p:ext>
-    </p:extLst>
-  </p:cSld>
-  <p:clrMapOvr>
-    <a:masterClrMapping/>
-  </p:clrMapOvr>
-  <p:timing>
-    <p:tnLst>
-      <p:par>
-        <p:cTn id="1" dur="indefinite" restart="never" nodeType="tmRoot"/>
-      </p:par>
-    </p:tnLst>
-  </p:timing>
-</p:sld>
-</file>
-
-<file path=ppt/slides/slide5.xml><?xml version="1.0" encoding="utf-8"?>
-<p:sld xmlns:a="http://schemas.openxmlformats.org/drawingml/2006/main" xmlns:r="http://schemas.openxmlformats.org/officeDocument/2006/relationships" xmlns:p="http://schemas.openxmlformats.org/presentationml/2006/main">
-  <p:cSld>
-    <p:spTree>
-      <p:nvGrpSpPr>
-        <p:cNvPr id="1" name=""/>
-        <p:cNvGrpSpPr/>
-        <p:nvPr/>
-      </p:nvGrpSpPr>
-      <p:grpSpPr>
-        <a:xfrm>
-          <a:off x="0" y="0"/>
-          <a:ext cx="0" cy="0"/>
-          <a:chOff x="0" y="0"/>
-          <a:chExt cx="0" cy="0"/>
-        </a:xfrm>
-      </p:grpSpPr>
-      <p:sp>
-        <p:nvSpPr>
-          <p:cNvPr id="2" name="Title 1"/>
-          <p:cNvSpPr>
-            <a:spLocks noGrp="1"/>
-          </p:cNvSpPr>
-          <p:nvPr>
-            <p:ph type="title"/>
-          </p:nvPr>
-        </p:nvSpPr>
-        <p:spPr>
-          <a:xfrm>
-            <a:off x="1371600" y="685800"/>
-            <a:ext cx="9601200" cy="1000760"/>
-          </a:xfrm>
-        </p:spPr>
-        <p:txBody>
-          <a:bodyPr/>
-          <a:lstStyle/>
-          <a:p>
-            <a:r>
-              <a:rPr lang="en-GB" b="1" dirty="0" smtClean="0"/>
-              <a:t>Visualisation</a:t>
-            </a:r>
-            <a:endParaRPr lang="en-GB" b="1" dirty="0"/>
-          </a:p>
-        </p:txBody>
-      </p:sp>
-      <p:sp>
-        <p:nvSpPr>
-          <p:cNvPr id="3" name="Content Placeholder 2"/>
-          <p:cNvSpPr>
-            <a:spLocks noGrp="1"/>
-          </p:cNvSpPr>
-          <p:nvPr>
-            <p:ph idx="1"/>
-          </p:nvPr>
-        </p:nvSpPr>
-        <p:spPr>
-          <a:xfrm>
-            <a:off x="1371600" y="1686560"/>
-            <a:ext cx="10292080" cy="5120640"/>
-          </a:xfrm>
-        </p:spPr>
-        <p:txBody>
-          <a:bodyPr>
-            <a:normAutofit fontScale="92500" lnSpcReduction="20000"/>
-          </a:bodyPr>
-          <a:lstStyle/>
-          <a:p>
-            <a:pPr marL="0" indent="0">
-              <a:buSzPct val="45000"/>
-              <a:buNone/>
-            </a:pPr>
-            <a:r>
-              <a:rPr lang="en-GB" sz="3600" b="1" dirty="0"/>
-              <a:t>Plan</a:t>
-            </a:r>
-            <a:endParaRPr lang="en-GB" sz="3600" dirty="0"/>
-          </a:p>
-          <a:p>
-            <a:pPr marL="0" lvl="1" indent="0">
-              <a:buSzPct val="45000"/>
-              <a:buNone/>
-            </a:pPr>
-            <a:r>
-              <a:rPr lang="en-GB" sz="3600" i="0" dirty="0"/>
-              <a:t>Using Python, display 4 location types on a map  with size as a function of time</a:t>
-            </a:r>
-          </a:p>
-          <a:p>
-            <a:pPr marL="0" lvl="1" indent="0">
-              <a:buSzPct val="45000"/>
-              <a:buNone/>
-            </a:pPr>
-            <a:r>
-              <a:rPr lang="en-GB" sz="3600" i="0" dirty="0"/>
-              <a:t> </a:t>
-            </a:r>
-          </a:p>
-          <a:p>
-            <a:pPr marL="0" indent="0">
-              <a:buSzPct val="45000"/>
-              <a:buNone/>
-            </a:pPr>
-            <a:r>
-              <a:rPr lang="en-GB" sz="3600" b="1" dirty="0"/>
-              <a:t>What </a:t>
-            </a:r>
-            <a:r>
-              <a:rPr lang="en-GB" sz="3600" b="1" dirty="0" smtClean="0"/>
-              <a:t>we did</a:t>
-            </a:r>
-            <a:endParaRPr lang="en-GB" sz="3600" dirty="0"/>
-          </a:p>
-          <a:p>
-            <a:pPr marL="0" lvl="1" indent="0">
-              <a:buSzPct val="45000"/>
-              <a:buNone/>
-            </a:pPr>
-            <a:r>
-              <a:rPr lang="en-GB" sz="3600" i="0" dirty="0"/>
-              <a:t>A suite of functions to read, collect data, transfer to </a:t>
-            </a:r>
-            <a:r>
-              <a:rPr lang="en-GB" sz="3600" i="0" dirty="0" smtClean="0"/>
-              <a:t>JavaScript </a:t>
-            </a:r>
-            <a:r>
-              <a:rPr lang="en-GB" sz="3600" i="0" dirty="0"/>
-              <a:t>and display on an interactive html map</a:t>
-            </a:r>
-          </a:p>
-          <a:p>
-            <a:pPr marL="0" lvl="1" indent="0">
-              <a:buSzPct val="45000"/>
-              <a:buNone/>
-            </a:pPr>
-            <a:endParaRPr lang="en-GB" sz="3600" i="0" dirty="0"/>
-          </a:p>
-          <a:p>
-            <a:pPr marL="0" indent="0">
-              <a:buSzPct val="45000"/>
-              <a:buNone/>
-            </a:pPr>
-            <a:r>
-              <a:rPr lang="en-GB" sz="3600" b="1" dirty="0"/>
-              <a:t>Issues</a:t>
-            </a:r>
-            <a:endParaRPr lang="en-GB" sz="3600" dirty="0"/>
-          </a:p>
-          <a:p>
-            <a:pPr marL="0" lvl="1" indent="0">
-              <a:buSzPct val="45000"/>
-              <a:buNone/>
-            </a:pPr>
-            <a:r>
-              <a:rPr lang="en-GB" sz="3600" i="0" dirty="0"/>
-              <a:t>No Python only solution so split tasks into data pipeline and visualisation </a:t>
-            </a:r>
-          </a:p>
-          <a:p>
-            <a:pPr marL="0" indent="0">
-              <a:buNone/>
-            </a:pPr>
-            <a:endParaRPr lang="en-US" dirty="0"/>
-          </a:p>
-        </p:txBody>
-      </p:sp>
-      <p:sp>
-        <p:nvSpPr>
-          <p:cNvPr id="4" name="TextBox 3"/>
-          <p:cNvSpPr txBox="1"/>
-          <p:nvPr/>
-        </p:nvSpPr>
-        <p:spPr>
-          <a:xfrm>
-            <a:off x="4861932" y="816848"/>
-            <a:ext cx="7091300" cy="646331"/>
-          </a:xfrm>
-          <a:prstGeom prst="rect">
-            <a:avLst/>
-          </a:prstGeom>
-          <a:noFill/>
-        </p:spPr>
-        <p:txBody>
-          <a:bodyPr wrap="none" rtlCol="0">
-            <a:spAutoFit/>
-          </a:bodyPr>
-          <a:lstStyle/>
-          <a:p>
-            <a:r>
-              <a:rPr lang="en-US" dirty="0" smtClean="0"/>
-              <a:t> </a:t>
-            </a:r>
-            <a:r>
-              <a:rPr lang="en-US" dirty="0" smtClean="0">
-                <a:hlinkClick r:id="rId2" action="ppaction://hlinkfile"/>
-              </a:rPr>
-              <a:t>file:///Users/dianasuleimenova/Desktop/Codes/Visualflee/flight.html</a:t>
-            </a:r>
-            <a:endParaRPr lang="en-US" dirty="0" smtClean="0"/>
-          </a:p>
-          <a:p>
-            <a:endParaRPr lang="en-US" dirty="0"/>
-          </a:p>
-        </p:txBody>
-      </p:sp>
-    </p:spTree>
-    <p:extLst>
-      <p:ext uri="{BB962C8B-B14F-4D97-AF65-F5344CB8AC3E}">
-        <p14:creationId xmlns:p14="http://schemas.microsoft.com/office/powerpoint/2010/main" val="698909706"/>
       </p:ext>
     </p:extLst>
   </p:cSld>
@@ -5255,16 +5432,21 @@
             <p:ph type="title"/>
           </p:nvPr>
         </p:nvSpPr>
-        <p:spPr/>
+        <p:spPr>
+          <a:xfrm>
+            <a:off x="1371600" y="685800"/>
+            <a:ext cx="9601200" cy="1000760"/>
+          </a:xfrm>
+        </p:spPr>
         <p:txBody>
           <a:bodyPr/>
           <a:lstStyle/>
           <a:p>
             <a:r>
-              <a:rPr lang="en-US" b="1" dirty="0" smtClean="0"/>
-              <a:t>Conclusion</a:t>
-            </a:r>
-            <a:endParaRPr lang="en-US" b="1" dirty="0"/>
+              <a:rPr lang="en-GB" b="1" dirty="0" smtClean="0"/>
+              <a:t>Visualisation</a:t>
+            </a:r>
+            <a:endParaRPr lang="en-GB" b="1" dirty="0"/>
           </a:p>
         </p:txBody>
       </p:sp>
@@ -5278,44 +5460,164 @@
             <p:ph idx="1"/>
           </p:nvPr>
         </p:nvSpPr>
-        <p:spPr/>
+        <p:spPr>
+          <a:xfrm>
+            <a:off x="1371600" y="1686560"/>
+            <a:ext cx="10292080" cy="5120640"/>
+          </a:xfrm>
+        </p:spPr>
         <p:txBody>
           <a:bodyPr>
-            <a:normAutofit/>
+            <a:normAutofit fontScale="92500" lnSpcReduction="20000"/>
           </a:bodyPr>
           <a:lstStyle/>
           <a:p>
-            <a:r>
-              <a:rPr lang="en-US" sz="3600" dirty="0" smtClean="0"/>
-              <a:t>I will continue on working on this</a:t>
-            </a:r>
-          </a:p>
-          <a:p>
-            <a:r>
-              <a:rPr lang="en-US" sz="3600" dirty="0" smtClean="0"/>
-              <a:t>Conference paper, promised my collaborators authorship</a:t>
-            </a:r>
-          </a:p>
-          <a:p>
-            <a:r>
-              <a:rPr lang="en-US" sz="3600" dirty="0" smtClean="0"/>
-              <a:t>Hope to make links with </a:t>
-            </a:r>
-            <a:r>
-              <a:rPr lang="en-US" sz="3600" dirty="0" err="1" smtClean="0"/>
-              <a:t>organisations</a:t>
-            </a:r>
-            <a:endParaRPr lang="en-US" sz="3600" dirty="0" smtClean="0"/>
-          </a:p>
-          <a:p>
-            <a:endParaRPr lang="en-US" sz="3600" dirty="0"/>
+            <a:pPr marL="0" indent="0">
+              <a:buSzPct val="45000"/>
+              <a:buNone/>
+            </a:pPr>
+            <a:r>
+              <a:rPr lang="en-GB" sz="3600" b="1" dirty="0"/>
+              <a:t>Plan</a:t>
+            </a:r>
+            <a:endParaRPr lang="en-GB" sz="3600" dirty="0"/>
+          </a:p>
+          <a:p>
+            <a:pPr marL="0" lvl="1" indent="0">
+              <a:buSzPct val="45000"/>
+              <a:buNone/>
+            </a:pPr>
+            <a:r>
+              <a:rPr lang="en-GB" sz="3600" i="0" dirty="0"/>
+              <a:t>Using Python, display 4 location types on a map  with size </a:t>
+            </a:r>
+            <a:r>
+              <a:rPr lang="en-GB" sz="3600" i="0" dirty="0" smtClean="0"/>
+              <a:t>of population as </a:t>
+            </a:r>
+            <a:r>
+              <a:rPr lang="en-GB" sz="3600" i="0" dirty="0"/>
+              <a:t>a function of time</a:t>
+            </a:r>
+          </a:p>
+          <a:p>
+            <a:pPr marL="0" lvl="1" indent="0">
+              <a:buSzPct val="45000"/>
+              <a:buNone/>
+            </a:pPr>
+            <a:r>
+              <a:rPr lang="en-GB" sz="3600" i="0" dirty="0"/>
+              <a:t> </a:t>
+            </a:r>
+          </a:p>
+          <a:p>
+            <a:pPr marL="0" indent="0">
+              <a:buSzPct val="45000"/>
+              <a:buNone/>
+            </a:pPr>
+            <a:r>
+              <a:rPr lang="en-GB" sz="3600" b="1" dirty="0"/>
+              <a:t>What </a:t>
+            </a:r>
+            <a:r>
+              <a:rPr lang="en-GB" sz="3600" b="1" dirty="0" smtClean="0"/>
+              <a:t>we did</a:t>
+            </a:r>
+            <a:endParaRPr lang="en-GB" sz="3600" dirty="0"/>
+          </a:p>
+          <a:p>
+            <a:pPr marL="0" lvl="1" indent="0">
+              <a:buSzPct val="45000"/>
+              <a:buNone/>
+            </a:pPr>
+            <a:r>
+              <a:rPr lang="en-GB" sz="3600" i="0" dirty="0"/>
+              <a:t>A suite of functions to read, collect data, transfer to </a:t>
+            </a:r>
+            <a:r>
+              <a:rPr lang="en-GB" sz="3600" i="0" dirty="0" smtClean="0"/>
+              <a:t>JavaScript </a:t>
+            </a:r>
+            <a:r>
+              <a:rPr lang="en-GB" sz="3600" i="0" dirty="0"/>
+              <a:t>and display on an interactive html map</a:t>
+            </a:r>
+          </a:p>
+          <a:p>
+            <a:pPr marL="0" lvl="1" indent="0">
+              <a:buSzPct val="45000"/>
+              <a:buNone/>
+            </a:pPr>
+            <a:endParaRPr lang="en-GB" sz="3600" i="0" dirty="0"/>
+          </a:p>
+          <a:p>
+            <a:pPr marL="0" indent="0">
+              <a:buSzPct val="45000"/>
+              <a:buNone/>
+            </a:pPr>
+            <a:r>
+              <a:rPr lang="en-GB" sz="3600" b="1" dirty="0"/>
+              <a:t>Issues</a:t>
+            </a:r>
+            <a:endParaRPr lang="en-GB" sz="3600" dirty="0"/>
+          </a:p>
+          <a:p>
+            <a:pPr marL="0" lvl="1" indent="0">
+              <a:buSzPct val="45000"/>
+              <a:buNone/>
+            </a:pPr>
+            <a:r>
+              <a:rPr lang="en-GB" sz="3600" i="0" dirty="0"/>
+              <a:t>No Python only solution so split tasks into data pipeline and visualisation </a:t>
+            </a:r>
+          </a:p>
+          <a:p>
+            <a:pPr marL="0" indent="0">
+              <a:buNone/>
+            </a:pPr>
+            <a:endParaRPr lang="en-US" dirty="0"/>
+          </a:p>
+        </p:txBody>
+      </p:sp>
+      <p:sp>
+        <p:nvSpPr>
+          <p:cNvPr id="5" name="Rectangle 4"/>
+          <p:cNvSpPr/>
+          <p:nvPr/>
+        </p:nvSpPr>
+        <p:spPr>
+          <a:xfrm>
+            <a:off x="6344289" y="820999"/>
+            <a:ext cx="4628511" cy="369332"/>
+          </a:xfrm>
+          <a:prstGeom prst="rect">
+            <a:avLst/>
+          </a:prstGeom>
+        </p:spPr>
+        <p:txBody>
+          <a:bodyPr wrap="none">
+            <a:spAutoFit/>
+          </a:bodyPr>
+          <a:lstStyle/>
+          <a:p>
+            <a:r>
+              <a:rPr lang="en-US" dirty="0" smtClean="0">
+                <a:hlinkClick r:id="rId2"/>
+              </a:rPr>
+              <a:t>http://www.cpl-library.org/general/flight.html</a:t>
+            </a:r>
+            <a:r>
+              <a:rPr lang="en-US" dirty="0" smtClean="0"/>
+              <a:t> </a:t>
+            </a:r>
+            <a:endParaRPr lang="en-US" dirty="0"/>
           </a:p>
         </p:txBody>
       </p:sp>
     </p:spTree>
     <p:extLst>
       <p:ext uri="{BB962C8B-B14F-4D97-AF65-F5344CB8AC3E}">
-        <p14:creationId xmlns:p14="http://schemas.microsoft.com/office/powerpoint/2010/main" val="243260435"/>
+        <p14:creationId xmlns:p14="http://schemas.microsoft.com/office/powerpoint/2010/main" val="698909706"/>
       </p:ext>
     </p:extLst>
   </p:cSld>
